--- a/METE_CORBACI_1181602055_SINEMA_OTOMASYON.pptx
+++ b/METE_CORBACI_1181602055_SINEMA_OTOMASYON.pptx
@@ -17,9 +17,10 @@
     <p:sldId id="268" r:id="rId11"/>
     <p:sldId id="266" r:id="rId12"/>
     <p:sldId id="267" r:id="rId13"/>
-    <p:sldId id="263" r:id="rId14"/>
-    <p:sldId id="269" r:id="rId15"/>
-    <p:sldId id="270" r:id="rId16"/>
+    <p:sldId id="271" r:id="rId14"/>
+    <p:sldId id="263" r:id="rId15"/>
+    <p:sldId id="269" r:id="rId16"/>
+    <p:sldId id="270" r:id="rId17"/>
   </p:sldIdLst>
   <p:sldSz cx="12192000" cy="6858000"/>
   <p:notesSz cx="6858000" cy="9144000"/>
@@ -118,6 +119,11 @@
       </a:defRPr>
     </a:lvl9pPr>
   </p:defaultTextStyle>
+  <p:extLst>
+    <p:ext uri="{EFAFB233-063F-42B5-8137-9DF3F51BA10A}">
+      <p15:sldGuideLst xmlns:p15="http://schemas.microsoft.com/office/powerpoint/2012/main"/>
+    </p:ext>
+  </p:extLst>
 </p:presentation>
 </file>
 
@@ -4147,7 +4153,7 @@
           <p:cNvPr id="2" name="Başlık 1">
             <a:extLst>
               <a:ext uri="{FF2B5EF4-FFF2-40B4-BE49-F238E27FC236}">
-                <a16:creationId xmlns:a16="http://schemas.microsoft.com/office/drawing/2014/main" id="{6049FB65-3FC0-644A-3F33-880482DD53E6}"/>
+                <a16:creationId xmlns:a16="http://schemas.microsoft.com/office/drawing/2014/main" id="{8312515D-2F60-C8EA-AEFB-0FF20543604E}"/>
               </a:ext>
             </a:extLst>
           </p:cNvPr>
@@ -4165,17 +4171,53 @@
           <a:p>
             <a:r>
               <a:rPr lang="tr-TR" b="1" dirty="0"/>
-              <a:t>Ana Sayfanın Görünümü</a:t>
+              <a:t>Cinema.js </a:t>
+            </a:r>
+            <a:endParaRPr lang="tr-TR" dirty="0"/>
+          </a:p>
+        </p:txBody>
+      </p:sp>
+      <p:sp>
+        <p:nvSpPr>
+          <p:cNvPr id="3" name="İçerik Yer Tutucusu 2">
+            <a:extLst>
+              <a:ext uri="{FF2B5EF4-FFF2-40B4-BE49-F238E27FC236}">
+                <a16:creationId xmlns:a16="http://schemas.microsoft.com/office/drawing/2014/main" id="{2617373C-DC3A-6D19-3359-16C44FB2C837}"/>
+              </a:ext>
+            </a:extLst>
+          </p:cNvPr>
+          <p:cNvSpPr>
+            <a:spLocks noGrp="1"/>
+          </p:cNvSpPr>
+          <p:nvPr>
+            <p:ph idx="1"/>
+          </p:nvPr>
+        </p:nvSpPr>
+        <p:spPr>
+          <a:xfrm>
+            <a:off x="1261872" y="1828801"/>
+            <a:ext cx="7500163" cy="312516"/>
+          </a:xfrm>
+        </p:spPr>
+        <p:txBody>
+          <a:bodyPr>
+            <a:normAutofit fontScale="92500" lnSpcReduction="10000"/>
+          </a:bodyPr>
+          <a:lstStyle/>
+          <a:p>
+            <a:r>
+              <a:rPr lang="tr-TR" dirty="0"/>
+              <a:t>Cinema.jse ilgili bazı kodlar</a:t>
             </a:r>
           </a:p>
         </p:txBody>
       </p:sp>
       <p:pic>
         <p:nvPicPr>
-          <p:cNvPr id="5" name="Resim 4">
+          <p:cNvPr id="5" name="Resim 4" descr="metin içeren bir resim&#10;&#10;Açıklama otomatik olarak oluşturuldu">
             <a:extLst>
               <a:ext uri="{FF2B5EF4-FFF2-40B4-BE49-F238E27FC236}">
-                <a16:creationId xmlns:a16="http://schemas.microsoft.com/office/drawing/2014/main" id="{963F66BB-0F89-56BE-0416-6CA9E9553236}"/>
+                <a16:creationId xmlns:a16="http://schemas.microsoft.com/office/drawing/2014/main" id="{D821A4EE-894C-B5F6-D795-B09DAD820F52}"/>
               </a:ext>
             </a:extLst>
           </p:cNvPr>
@@ -4198,8 +4240,44 @@
         </p:blipFill>
         <p:spPr>
           <a:xfrm>
-            <a:off x="1261872" y="1784773"/>
-            <a:ext cx="5336743" cy="4707467"/>
+            <a:off x="784280" y="2141317"/>
+            <a:ext cx="4227673" cy="4236028"/>
+          </a:xfrm>
+          <a:prstGeom prst="rect">
+            <a:avLst/>
+          </a:prstGeom>
+        </p:spPr>
+      </p:pic>
+      <p:pic>
+        <p:nvPicPr>
+          <p:cNvPr id="8" name="Resim 7">
+            <a:extLst>
+              <a:ext uri="{FF2B5EF4-FFF2-40B4-BE49-F238E27FC236}">
+                <a16:creationId xmlns:a16="http://schemas.microsoft.com/office/drawing/2014/main" id="{5259D29B-12B3-F599-7117-3840054073CC}"/>
+              </a:ext>
+            </a:extLst>
+          </p:cNvPr>
+          <p:cNvPicPr>
+            <a:picLocks noChangeAspect="1"/>
+          </p:cNvPicPr>
+          <p:nvPr/>
+        </p:nvPicPr>
+        <p:blipFill>
+          <a:blip r:embed="rId2">
+            <a:extLst>
+              <a:ext uri="{28A0092B-C50C-407E-A947-70E740481C1C}">
+                <a14:useLocalDpi xmlns:a14="http://schemas.microsoft.com/office/drawing/2010/main" val="0"/>
+              </a:ext>
+            </a:extLst>
+          </a:blip>
+          <a:stretch>
+            <a:fillRect/>
+          </a:stretch>
+        </p:blipFill>
+        <p:spPr>
+          <a:xfrm>
+            <a:off x="5312895" y="1570493"/>
+            <a:ext cx="4820323" cy="4829849"/>
           </a:xfrm>
           <a:prstGeom prst="rect">
             <a:avLst/>
@@ -4209,7 +4287,7 @@
     </p:spTree>
     <p:extLst>
       <p:ext uri="{BB962C8B-B14F-4D97-AF65-F5344CB8AC3E}">
-        <p14:creationId xmlns:p14="http://schemas.microsoft.com/office/powerpoint/2010/main" val="2750152942"/>
+        <p14:creationId xmlns:p14="http://schemas.microsoft.com/office/powerpoint/2010/main" val="2353611240"/>
       </p:ext>
     </p:extLst>
   </p:cSld>
@@ -4259,6 +4337,100 @@
           <a:p>
             <a:r>
               <a:rPr lang="tr-TR" b="1" dirty="0"/>
+              <a:t>Ana Sayfanın Görünümü</a:t>
+            </a:r>
+          </a:p>
+        </p:txBody>
+      </p:sp>
+      <p:pic>
+        <p:nvPicPr>
+          <p:cNvPr id="5" name="Resim 4">
+            <a:extLst>
+              <a:ext uri="{FF2B5EF4-FFF2-40B4-BE49-F238E27FC236}">
+                <a16:creationId xmlns:a16="http://schemas.microsoft.com/office/drawing/2014/main" id="{963F66BB-0F89-56BE-0416-6CA9E9553236}"/>
+              </a:ext>
+            </a:extLst>
+          </p:cNvPr>
+          <p:cNvPicPr>
+            <a:picLocks noChangeAspect="1"/>
+          </p:cNvPicPr>
+          <p:nvPr/>
+        </p:nvPicPr>
+        <p:blipFill>
+          <a:blip r:embed="rId2">
+            <a:extLst>
+              <a:ext uri="{28A0092B-C50C-407E-A947-70E740481C1C}">
+                <a14:useLocalDpi xmlns:a14="http://schemas.microsoft.com/office/drawing/2010/main" val="0"/>
+              </a:ext>
+            </a:extLst>
+          </a:blip>
+          <a:stretch>
+            <a:fillRect/>
+          </a:stretch>
+        </p:blipFill>
+        <p:spPr>
+          <a:xfrm>
+            <a:off x="1261872" y="1784773"/>
+            <a:ext cx="5336743" cy="4707467"/>
+          </a:xfrm>
+          <a:prstGeom prst="rect">
+            <a:avLst/>
+          </a:prstGeom>
+        </p:spPr>
+      </p:pic>
+    </p:spTree>
+    <p:extLst>
+      <p:ext uri="{BB962C8B-B14F-4D97-AF65-F5344CB8AC3E}">
+        <p14:creationId xmlns:p14="http://schemas.microsoft.com/office/powerpoint/2010/main" val="2750152942"/>
+      </p:ext>
+    </p:extLst>
+  </p:cSld>
+  <p:clrMapOvr>
+    <a:masterClrMapping/>
+  </p:clrMapOvr>
+</p:sld>
+</file>
+
+<file path=ppt/slides/slide15.xml><?xml version="1.0" encoding="utf-8"?>
+<p:sld xmlns:a="http://schemas.openxmlformats.org/drawingml/2006/main" xmlns:r="http://schemas.openxmlformats.org/officeDocument/2006/relationships" xmlns:p="http://schemas.openxmlformats.org/presentationml/2006/main">
+  <p:cSld>
+    <p:spTree>
+      <p:nvGrpSpPr>
+        <p:cNvPr id="1" name=""/>
+        <p:cNvGrpSpPr/>
+        <p:nvPr/>
+      </p:nvGrpSpPr>
+      <p:grpSpPr>
+        <a:xfrm>
+          <a:off x="0" y="0"/>
+          <a:ext cx="0" cy="0"/>
+          <a:chOff x="0" y="0"/>
+          <a:chExt cx="0" cy="0"/>
+        </a:xfrm>
+      </p:grpSpPr>
+      <p:sp>
+        <p:nvSpPr>
+          <p:cNvPr id="2" name="Başlık 1">
+            <a:extLst>
+              <a:ext uri="{FF2B5EF4-FFF2-40B4-BE49-F238E27FC236}">
+                <a16:creationId xmlns:a16="http://schemas.microsoft.com/office/drawing/2014/main" id="{6049FB65-3FC0-644A-3F33-880482DD53E6}"/>
+              </a:ext>
+            </a:extLst>
+          </p:cNvPr>
+          <p:cNvSpPr>
+            <a:spLocks noGrp="1"/>
+          </p:cNvSpPr>
+          <p:nvPr>
+            <p:ph type="title"/>
+          </p:nvPr>
+        </p:nvSpPr>
+        <p:spPr/>
+        <p:txBody>
+          <a:bodyPr/>
+          <a:lstStyle/>
+          <a:p>
+            <a:r>
+              <a:rPr lang="tr-TR" b="1" dirty="0"/>
               <a:t>Koltuk Seçim Sayfasının Görünümü</a:t>
             </a:r>
           </a:p>
@@ -4349,7 +4521,7 @@
 </p:sld>
 </file>
 
-<file path=ppt/slides/slide15.xml><?xml version="1.0" encoding="utf-8"?>
+<file path=ppt/slides/slide16.xml><?xml version="1.0" encoding="utf-8"?>
 <p:sld xmlns:a="http://schemas.openxmlformats.org/drawingml/2006/main" xmlns:r="http://schemas.openxmlformats.org/officeDocument/2006/relationships" xmlns:p="http://schemas.openxmlformats.org/presentationml/2006/main">
   <p:cSld>
     <p:spTree>

--- a/METE_CORBACI_1181602055_SINEMA_OTOMASYON.pptx
+++ b/METE_CORBACI_1181602055_SINEMA_OTOMASYON.pptx
@@ -18,9 +18,10 @@
     <p:sldId id="266" r:id="rId12"/>
     <p:sldId id="267" r:id="rId13"/>
     <p:sldId id="271" r:id="rId14"/>
-    <p:sldId id="263" r:id="rId15"/>
-    <p:sldId id="269" r:id="rId16"/>
-    <p:sldId id="270" r:id="rId17"/>
+    <p:sldId id="272" r:id="rId15"/>
+    <p:sldId id="263" r:id="rId16"/>
+    <p:sldId id="269" r:id="rId17"/>
+    <p:sldId id="270" r:id="rId18"/>
   </p:sldIdLst>
   <p:sldSz cx="12192000" cy="6858000"/>
   <p:notesSz cx="6858000" cy="9144000"/>
@@ -4319,7 +4320,7 @@
           <p:cNvPr id="2" name="Başlık 1">
             <a:extLst>
               <a:ext uri="{FF2B5EF4-FFF2-40B4-BE49-F238E27FC236}">
-                <a16:creationId xmlns:a16="http://schemas.microsoft.com/office/drawing/2014/main" id="{6049FB65-3FC0-644A-3F33-880482DD53E6}"/>
+                <a16:creationId xmlns:a16="http://schemas.microsoft.com/office/drawing/2014/main" id="{8312515D-2F60-C8EA-AEFB-0FF20543604E}"/>
               </a:ext>
             </a:extLst>
           </p:cNvPr>
@@ -4337,17 +4338,53 @@
           <a:p>
             <a:r>
               <a:rPr lang="tr-TR" b="1" dirty="0"/>
-              <a:t>Ana Sayfanın Görünümü</a:t>
+              <a:t>App.js </a:t>
+            </a:r>
+            <a:endParaRPr lang="tr-TR" dirty="0"/>
+          </a:p>
+        </p:txBody>
+      </p:sp>
+      <p:sp>
+        <p:nvSpPr>
+          <p:cNvPr id="3" name="İçerik Yer Tutucusu 2">
+            <a:extLst>
+              <a:ext uri="{FF2B5EF4-FFF2-40B4-BE49-F238E27FC236}">
+                <a16:creationId xmlns:a16="http://schemas.microsoft.com/office/drawing/2014/main" id="{2617373C-DC3A-6D19-3359-16C44FB2C837}"/>
+              </a:ext>
+            </a:extLst>
+          </p:cNvPr>
+          <p:cNvSpPr>
+            <a:spLocks noGrp="1"/>
+          </p:cNvSpPr>
+          <p:nvPr>
+            <p:ph idx="1"/>
+          </p:nvPr>
+        </p:nvSpPr>
+        <p:spPr>
+          <a:xfrm>
+            <a:off x="1261872" y="1828801"/>
+            <a:ext cx="7500163" cy="312516"/>
+          </a:xfrm>
+        </p:spPr>
+        <p:txBody>
+          <a:bodyPr>
+            <a:normAutofit fontScale="92500" lnSpcReduction="10000"/>
+          </a:bodyPr>
+          <a:lstStyle/>
+          <a:p>
+            <a:r>
+              <a:rPr lang="tr-TR" dirty="0"/>
+              <a:t>App.jse ilgili bazı kodlar</a:t>
             </a:r>
           </a:p>
         </p:txBody>
       </p:sp>
       <p:pic>
         <p:nvPicPr>
-          <p:cNvPr id="5" name="Resim 4">
+          <p:cNvPr id="6" name="Resim 5" descr="metin, ekran, ekran görüntüsü içeren bir resim&#10;&#10;Açıklama otomatik olarak oluşturuldu">
             <a:extLst>
               <a:ext uri="{FF2B5EF4-FFF2-40B4-BE49-F238E27FC236}">
-                <a16:creationId xmlns:a16="http://schemas.microsoft.com/office/drawing/2014/main" id="{963F66BB-0F89-56BE-0416-6CA9E9553236}"/>
+                <a16:creationId xmlns:a16="http://schemas.microsoft.com/office/drawing/2014/main" id="{3C49B162-CAC9-08D7-4EEA-8EF653476D89}"/>
               </a:ext>
             </a:extLst>
           </p:cNvPr>
@@ -4370,8 +4407,8 @@
         </p:blipFill>
         <p:spPr>
           <a:xfrm>
-            <a:off x="1261872" y="1784773"/>
-            <a:ext cx="5336743" cy="4707467"/>
+            <a:off x="1261872" y="2352524"/>
+            <a:ext cx="5623705" cy="2856083"/>
           </a:xfrm>
           <a:prstGeom prst="rect">
             <a:avLst/>
@@ -4381,7 +4418,7 @@
     </p:spTree>
     <p:extLst>
       <p:ext uri="{BB962C8B-B14F-4D97-AF65-F5344CB8AC3E}">
-        <p14:creationId xmlns:p14="http://schemas.microsoft.com/office/powerpoint/2010/main" val="2750152942"/>
+        <p14:creationId xmlns:p14="http://schemas.microsoft.com/office/powerpoint/2010/main" val="225846381"/>
       </p:ext>
     </p:extLst>
   </p:cSld>
@@ -4431,6 +4468,100 @@
           <a:p>
             <a:r>
               <a:rPr lang="tr-TR" b="1" dirty="0"/>
+              <a:t>Ana Sayfanın Görünümü</a:t>
+            </a:r>
+          </a:p>
+        </p:txBody>
+      </p:sp>
+      <p:pic>
+        <p:nvPicPr>
+          <p:cNvPr id="5" name="Resim 4">
+            <a:extLst>
+              <a:ext uri="{FF2B5EF4-FFF2-40B4-BE49-F238E27FC236}">
+                <a16:creationId xmlns:a16="http://schemas.microsoft.com/office/drawing/2014/main" id="{963F66BB-0F89-56BE-0416-6CA9E9553236}"/>
+              </a:ext>
+            </a:extLst>
+          </p:cNvPr>
+          <p:cNvPicPr>
+            <a:picLocks noChangeAspect="1"/>
+          </p:cNvPicPr>
+          <p:nvPr/>
+        </p:nvPicPr>
+        <p:blipFill>
+          <a:blip r:embed="rId2">
+            <a:extLst>
+              <a:ext uri="{28A0092B-C50C-407E-A947-70E740481C1C}">
+                <a14:useLocalDpi xmlns:a14="http://schemas.microsoft.com/office/drawing/2010/main" val="0"/>
+              </a:ext>
+            </a:extLst>
+          </a:blip>
+          <a:stretch>
+            <a:fillRect/>
+          </a:stretch>
+        </p:blipFill>
+        <p:spPr>
+          <a:xfrm>
+            <a:off x="1261872" y="1784773"/>
+            <a:ext cx="5336743" cy="4707467"/>
+          </a:xfrm>
+          <a:prstGeom prst="rect">
+            <a:avLst/>
+          </a:prstGeom>
+        </p:spPr>
+      </p:pic>
+    </p:spTree>
+    <p:extLst>
+      <p:ext uri="{BB962C8B-B14F-4D97-AF65-F5344CB8AC3E}">
+        <p14:creationId xmlns:p14="http://schemas.microsoft.com/office/powerpoint/2010/main" val="2750152942"/>
+      </p:ext>
+    </p:extLst>
+  </p:cSld>
+  <p:clrMapOvr>
+    <a:masterClrMapping/>
+  </p:clrMapOvr>
+</p:sld>
+</file>
+
+<file path=ppt/slides/slide16.xml><?xml version="1.0" encoding="utf-8"?>
+<p:sld xmlns:a="http://schemas.openxmlformats.org/drawingml/2006/main" xmlns:r="http://schemas.openxmlformats.org/officeDocument/2006/relationships" xmlns:p="http://schemas.openxmlformats.org/presentationml/2006/main">
+  <p:cSld>
+    <p:spTree>
+      <p:nvGrpSpPr>
+        <p:cNvPr id="1" name=""/>
+        <p:cNvGrpSpPr/>
+        <p:nvPr/>
+      </p:nvGrpSpPr>
+      <p:grpSpPr>
+        <a:xfrm>
+          <a:off x="0" y="0"/>
+          <a:ext cx="0" cy="0"/>
+          <a:chOff x="0" y="0"/>
+          <a:chExt cx="0" cy="0"/>
+        </a:xfrm>
+      </p:grpSpPr>
+      <p:sp>
+        <p:nvSpPr>
+          <p:cNvPr id="2" name="Başlık 1">
+            <a:extLst>
+              <a:ext uri="{FF2B5EF4-FFF2-40B4-BE49-F238E27FC236}">
+                <a16:creationId xmlns:a16="http://schemas.microsoft.com/office/drawing/2014/main" id="{6049FB65-3FC0-644A-3F33-880482DD53E6}"/>
+              </a:ext>
+            </a:extLst>
+          </p:cNvPr>
+          <p:cNvSpPr>
+            <a:spLocks noGrp="1"/>
+          </p:cNvSpPr>
+          <p:nvPr>
+            <p:ph type="title"/>
+          </p:nvPr>
+        </p:nvSpPr>
+        <p:spPr/>
+        <p:txBody>
+          <a:bodyPr/>
+          <a:lstStyle/>
+          <a:p>
+            <a:r>
+              <a:rPr lang="tr-TR" b="1" dirty="0"/>
               <a:t>Koltuk Seçim Sayfasının Görünümü</a:t>
             </a:r>
           </a:p>
@@ -4521,7 +4652,7 @@
 </p:sld>
 </file>
 
-<file path=ppt/slides/slide16.xml><?xml version="1.0" encoding="utf-8"?>
+<file path=ppt/slides/slide17.xml><?xml version="1.0" encoding="utf-8"?>
 <p:sld xmlns:a="http://schemas.openxmlformats.org/drawingml/2006/main" xmlns:r="http://schemas.openxmlformats.org/officeDocument/2006/relationships" xmlns:p="http://schemas.openxmlformats.org/presentationml/2006/main">
   <p:cSld>
     <p:spTree>
@@ -5494,6 +5625,42 @@
           <a:xfrm>
             <a:off x="4502552" y="2550237"/>
             <a:ext cx="5966797" cy="3503564"/>
+          </a:xfrm>
+          <a:prstGeom prst="rect">
+            <a:avLst/>
+          </a:prstGeom>
+        </p:spPr>
+      </p:pic>
+      <p:pic>
+        <p:nvPicPr>
+          <p:cNvPr id="5" name="Resim 4" descr="metin içeren bir resim&#10;&#10;Açıklama otomatik olarak oluşturuldu">
+            <a:extLst>
+              <a:ext uri="{FF2B5EF4-FFF2-40B4-BE49-F238E27FC236}">
+                <a16:creationId xmlns:a16="http://schemas.microsoft.com/office/drawing/2014/main" id="{68A91B53-79BD-39D4-D8AB-DFD6A188CC0D}"/>
+              </a:ext>
+            </a:extLst>
+          </p:cNvPr>
+          <p:cNvPicPr>
+            <a:picLocks noChangeAspect="1"/>
+          </p:cNvPicPr>
+          <p:nvPr/>
+        </p:nvPicPr>
+        <p:blipFill>
+          <a:blip r:embed="rId3">
+            <a:extLst>
+              <a:ext uri="{28A0092B-C50C-407E-A947-70E740481C1C}">
+                <a14:useLocalDpi xmlns:a14="http://schemas.microsoft.com/office/drawing/2010/main" val="0"/>
+              </a:ext>
+            </a:extLst>
+          </a:blip>
+          <a:stretch>
+            <a:fillRect/>
+          </a:stretch>
+        </p:blipFill>
+        <p:spPr>
+          <a:xfrm>
+            <a:off x="612156" y="2550237"/>
+            <a:ext cx="3810532" cy="2457793"/>
           </a:xfrm>
           <a:prstGeom prst="rect">
             <a:avLst/>
